--- a/Team 3.pptx
+++ b/Team 3.pptx
@@ -111,6 +111,11 @@
       </a:defRPr>
     </a:lvl9pPr>
   </p:defaultTextStyle>
+  <p:extLst>
+    <p:ext uri="{EFAFB233-063F-42B5-8137-9DF3F51BA10A}">
+      <p15:sldGuideLst xmlns:p15="http://schemas.microsoft.com/office/powerpoint/2012/main"/>
+    </p:ext>
+  </p:extLst>
 </p:presentation>
 </file>
 
@@ -900,7 +905,7 @@
 <dgm:dataModel xmlns:dgm="http://schemas.openxmlformats.org/drawingml/2006/diagram" xmlns:a="http://schemas.openxmlformats.org/drawingml/2006/main">
   <dgm:ptLst>
     <dgm:pt modelId="{6581297C-C83E-4663-AFE8-1A289003F413}" type="doc">
-      <dgm:prSet loTypeId="urn:microsoft.com/office/officeart/2005/8/layout/vList2" loCatId="list" qsTypeId="urn:microsoft.com/office/officeart/2005/8/quickstyle/simple1" qsCatId="simple" csTypeId="urn:microsoft.com/office/officeart/2005/8/colors/colorful2" csCatId="colorful"/>
+      <dgm:prSet loTypeId="urn:microsoft.com/office/officeart/2005/8/layout/vList2" loCatId="list" qsTypeId="urn:microsoft.com/office/officeart/2005/8/quickstyle/simple1" qsCatId="simple" csTypeId="urn:microsoft.com/office/officeart/2005/8/colors/colorful2" csCatId="colorful" phldr="1"/>
       <dgm:spPr/>
       <dgm:t>
         <a:bodyPr/>
@@ -919,7 +924,7 @@
         <a:p>
           <a:r>
             <a:rPr lang="en-US"/>
-            <a:t>ReactJS</a:t>
+            <a:t>React</a:t>
           </a:r>
         </a:p>
       </dgm:t>
@@ -954,8 +959,8 @@
         <a:lstStyle/>
         <a:p>
           <a:r>
-            <a:rPr lang="en-US"/>
-            <a:t>.Net Core</a:t>
+            <a:rPr lang="en-US" dirty="0"/>
+            <a:t>ASP.NET Core</a:t>
           </a:r>
         </a:p>
       </dgm:t>
@@ -990,8 +995,8 @@
         <a:lstStyle/>
         <a:p>
           <a:r>
-            <a:rPr lang="en-US"/>
-            <a:t>SQL</a:t>
+            <a:rPr lang="en-US" dirty="0"/>
+            <a:t>Microsoft SQL Server</a:t>
           </a:r>
         </a:p>
       </dgm:t>
@@ -1054,7 +1059,7 @@
       <dgm:spPr/>
     </dgm:pt>
     <dgm:pt modelId="{5F4B22F0-F532-4912-873F-37C4A2A37023}" type="pres">
-      <dgm:prSet presAssocID="{577C8096-CC22-4B77-B75B-1DE816B1E586}" presName="parentText" presStyleLbl="node1" presStyleIdx="2" presStyleCnt="3">
+      <dgm:prSet presAssocID="{577C8096-CC22-4B77-B75B-1DE816B1E586}" presName="parentText" presStyleLbl="node1" presStyleIdx="2" presStyleCnt="3" custLinFactNeighborX="424" custLinFactNeighborY="5088">
         <dgm:presLayoutVars>
           <dgm:chMax val="0"/>
           <dgm:bulletEnabled val="1"/>
@@ -1102,8 +1107,8 @@
       </dsp:nvSpPr>
       <dsp:spPr>
         <a:xfrm>
-          <a:off x="0" y="256563"/>
-          <a:ext cx="6735443" cy="1559025"/>
+          <a:off x="0" y="800568"/>
+          <a:ext cx="6735443" cy="1223235"/>
         </a:xfrm>
         <a:prstGeom prst="roundRect">
           <a:avLst/>
@@ -1145,12 +1150,12 @@
         </a:fontRef>
       </dsp:style>
       <dsp:txBody>
-        <a:bodyPr spcFirstLastPara="0" vert="horz" wrap="square" lIns="247650" tIns="247650" rIns="247650" bIns="247650" numCol="1" spcCol="1270" anchor="ctr" anchorCtr="0">
+        <a:bodyPr spcFirstLastPara="0" vert="horz" wrap="square" lIns="194310" tIns="194310" rIns="194310" bIns="194310" numCol="1" spcCol="1270" anchor="ctr" anchorCtr="0">
           <a:noAutofit/>
         </a:bodyPr>
         <a:lstStyle/>
         <a:p>
-          <a:pPr marL="0" lvl="0" indent="0" algn="l" defTabSz="2889250">
+          <a:pPr marL="0" lvl="0" indent="0" algn="l" defTabSz="2266950">
             <a:lnSpc>
               <a:spcPct val="90000"/>
             </a:lnSpc>
@@ -1163,14 +1168,14 @@
             <a:buNone/>
           </a:pPr>
           <a:r>
-            <a:rPr lang="en-US" sz="6500" kern="1200"/>
-            <a:t>ReactJS</a:t>
+            <a:rPr lang="en-US" sz="5100" kern="1200"/>
+            <a:t>React</a:t>
           </a:r>
         </a:p>
       </dsp:txBody>
       <dsp:txXfrm>
-        <a:off x="76105" y="332668"/>
-        <a:ext cx="6583233" cy="1406815"/>
+        <a:off x="59713" y="860281"/>
+        <a:ext cx="6616017" cy="1103809"/>
       </dsp:txXfrm>
     </dsp:sp>
     <dsp:sp modelId="{826F5BAF-03A6-4023-8125-CFB84A6C2419}">
@@ -1180,8 +1185,8 @@
       </dsp:nvSpPr>
       <dsp:spPr>
         <a:xfrm>
-          <a:off x="0" y="2002788"/>
-          <a:ext cx="6735443" cy="1559025"/>
+          <a:off x="0" y="2170683"/>
+          <a:ext cx="6735443" cy="1223235"/>
         </a:xfrm>
         <a:prstGeom prst="roundRect">
           <a:avLst/>
@@ -1223,12 +1228,12 @@
         </a:fontRef>
       </dsp:style>
       <dsp:txBody>
-        <a:bodyPr spcFirstLastPara="0" vert="horz" wrap="square" lIns="247650" tIns="247650" rIns="247650" bIns="247650" numCol="1" spcCol="1270" anchor="ctr" anchorCtr="0">
+        <a:bodyPr spcFirstLastPara="0" vert="horz" wrap="square" lIns="194310" tIns="194310" rIns="194310" bIns="194310" numCol="1" spcCol="1270" anchor="ctr" anchorCtr="0">
           <a:noAutofit/>
         </a:bodyPr>
         <a:lstStyle/>
         <a:p>
-          <a:pPr marL="0" lvl="0" indent="0" algn="l" defTabSz="2889250">
+          <a:pPr marL="0" lvl="0" indent="0" algn="l" defTabSz="2266950">
             <a:lnSpc>
               <a:spcPct val="90000"/>
             </a:lnSpc>
@@ -1241,14 +1246,14 @@
             <a:buNone/>
           </a:pPr>
           <a:r>
-            <a:rPr lang="en-US" sz="6500" kern="1200"/>
-            <a:t>.Net Core</a:t>
+            <a:rPr lang="en-US" sz="5100" kern="1200" dirty="0"/>
+            <a:t>ASP.NET Core</a:t>
           </a:r>
         </a:p>
       </dsp:txBody>
       <dsp:txXfrm>
-        <a:off x="76105" y="2078893"/>
-        <a:ext cx="6583233" cy="1406815"/>
+        <a:off x="59713" y="2230396"/>
+        <a:ext cx="6616017" cy="1103809"/>
       </dsp:txXfrm>
     </dsp:sp>
     <dsp:sp modelId="{5F4B22F0-F532-4912-873F-37C4A2A37023}">
@@ -1258,8 +1263,8 @@
       </dsp:nvSpPr>
       <dsp:spPr>
         <a:xfrm>
-          <a:off x="0" y="3749013"/>
-          <a:ext cx="6735443" cy="1559025"/>
+          <a:off x="0" y="3548271"/>
+          <a:ext cx="6735443" cy="1223235"/>
         </a:xfrm>
         <a:prstGeom prst="roundRect">
           <a:avLst/>
@@ -1301,12 +1306,12 @@
         </a:fontRef>
       </dsp:style>
       <dsp:txBody>
-        <a:bodyPr spcFirstLastPara="0" vert="horz" wrap="square" lIns="247650" tIns="247650" rIns="247650" bIns="247650" numCol="1" spcCol="1270" anchor="ctr" anchorCtr="0">
+        <a:bodyPr spcFirstLastPara="0" vert="horz" wrap="square" lIns="194310" tIns="194310" rIns="194310" bIns="194310" numCol="1" spcCol="1270" anchor="ctr" anchorCtr="0">
           <a:noAutofit/>
         </a:bodyPr>
         <a:lstStyle/>
         <a:p>
-          <a:pPr marL="0" lvl="0" indent="0" algn="l" defTabSz="2889250">
+          <a:pPr marL="0" lvl="0" indent="0" algn="l" defTabSz="2266950">
             <a:lnSpc>
               <a:spcPct val="90000"/>
             </a:lnSpc>
@@ -1319,14 +1324,14 @@
             <a:buNone/>
           </a:pPr>
           <a:r>
-            <a:rPr lang="en-US" sz="6500" kern="1200"/>
-            <a:t>SQL</a:t>
+            <a:rPr lang="en-US" sz="5100" kern="1200" dirty="0"/>
+            <a:t>Microsoft SQL Server</a:t>
           </a:r>
         </a:p>
       </dsp:txBody>
       <dsp:txXfrm>
-        <a:off x="76105" y="3825118"/>
-        <a:ext cx="6583233" cy="1406815"/>
+        <a:off x="59713" y="3607984"/>
+        <a:ext cx="6616017" cy="1103809"/>
       </dsp:txXfrm>
     </dsp:sp>
   </dsp:spTree>
@@ -2681,7 +2686,7 @@
           <a:p>
             <a:fld id="{82EDB8D0-98ED-4B86-9D5F-E61ADC70144D}" type="datetimeFigureOut">
               <a:rPr lang="en-US" smtClean="0"/>
-              <a:t>6/26/2021</a:t>
+              <a:t>6/29/2021</a:t>
             </a:fld>
             <a:endParaRPr lang="en-US" dirty="0"/>
           </a:p>
@@ -3096,7 +3101,7 @@
           <a:p>
             <a:fld id="{82EDB8D0-98ED-4B86-9D5F-E61ADC70144D}" type="datetimeFigureOut">
               <a:rPr lang="en-US" smtClean="0"/>
-              <a:t>6/26/2021</a:t>
+              <a:t>6/29/2021</a:t>
             </a:fld>
             <a:endParaRPr lang="en-US"/>
           </a:p>
@@ -3588,7 +3593,7 @@
           <a:p>
             <a:fld id="{82EDB8D0-98ED-4B86-9D5F-E61ADC70144D}" type="datetimeFigureOut">
               <a:rPr lang="en-US" smtClean="0"/>
-              <a:t>6/26/2021</a:t>
+              <a:t>6/29/2021</a:t>
             </a:fld>
             <a:endParaRPr lang="en-US"/>
           </a:p>
@@ -4075,7 +4080,7 @@
           <a:p>
             <a:fld id="{82EDB8D0-98ED-4B86-9D5F-E61ADC70144D}" type="datetimeFigureOut">
               <a:rPr lang="en-US" smtClean="0"/>
-              <a:t>6/26/2021</a:t>
+              <a:t>6/29/2021</a:t>
             </a:fld>
             <a:endParaRPr lang="en-US" dirty="0"/>
           </a:p>
@@ -4844,7 +4849,7 @@
           <a:p>
             <a:fld id="{82EDB8D0-98ED-4B86-9D5F-E61ADC70144D}" type="datetimeFigureOut">
               <a:rPr lang="en-US" smtClean="0"/>
-              <a:t>6/26/2021</a:t>
+              <a:t>6/29/2021</a:t>
             </a:fld>
             <a:endParaRPr lang="en-US"/>
           </a:p>
@@ -5326,7 +5331,7 @@
           <a:p>
             <a:fld id="{82EDB8D0-98ED-4B86-9D5F-E61ADC70144D}" type="datetimeFigureOut">
               <a:rPr lang="en-US" smtClean="0"/>
-              <a:t>6/26/2021</a:t>
+              <a:t>6/29/2021</a:t>
             </a:fld>
             <a:endParaRPr lang="en-US"/>
           </a:p>
@@ -6022,7 +6027,7 @@
           <a:p>
             <a:fld id="{82EDB8D0-98ED-4B86-9D5F-E61ADC70144D}" type="datetimeFigureOut">
               <a:rPr lang="en-US" smtClean="0"/>
-              <a:t>6/26/2021</a:t>
+              <a:t>6/29/2021</a:t>
             </a:fld>
             <a:endParaRPr lang="en-US"/>
           </a:p>
@@ -6447,7 +6452,7 @@
           <a:p>
             <a:fld id="{82EDB8D0-98ED-4B86-9D5F-E61ADC70144D}" type="datetimeFigureOut">
               <a:rPr lang="en-US" smtClean="0"/>
-              <a:t>6/26/2021</a:t>
+              <a:t>6/29/2021</a:t>
             </a:fld>
             <a:endParaRPr lang="en-US"/>
           </a:p>
@@ -6844,7 +6849,7 @@
           <a:p>
             <a:fld id="{82EDB8D0-98ED-4B86-9D5F-E61ADC70144D}" type="datetimeFigureOut">
               <a:rPr lang="en-US" smtClean="0"/>
-              <a:t>6/26/2021</a:t>
+              <a:t>6/29/2021</a:t>
             </a:fld>
             <a:endParaRPr lang="en-US"/>
           </a:p>
@@ -7439,7 +7444,7 @@
           <a:p>
             <a:fld id="{82EDB8D0-98ED-4B86-9D5F-E61ADC70144D}" type="datetimeFigureOut">
               <a:rPr lang="en-US" smtClean="0"/>
-              <a:t>6/26/2021</a:t>
+              <a:t>6/29/2021</a:t>
             </a:fld>
             <a:endParaRPr lang="en-US"/>
           </a:p>
@@ -8014,7 +8019,7 @@
           <a:p>
             <a:fld id="{82EDB8D0-98ED-4B86-9D5F-E61ADC70144D}" type="datetimeFigureOut">
               <a:rPr lang="en-US" smtClean="0"/>
-              <a:t>6/26/2021</a:t>
+              <a:t>6/29/2021</a:t>
             </a:fld>
             <a:endParaRPr lang="en-US"/>
           </a:p>
@@ -8541,7 +8546,7 @@
             <a:fld id="{82EDB8D0-98ED-4B86-9D5F-E61ADC70144D}" type="datetimeFigureOut">
               <a:rPr lang="en-US" smtClean="0"/>
               <a:pPr/>
-              <a:t>6/26/2021</a:t>
+              <a:t>6/29/2021</a:t>
             </a:fld>
             <a:endParaRPr lang="en-US" dirty="0"/>
           </a:p>
@@ -8969,12 +8974,12 @@
           <a:chExt cx="0" cy="0"/>
         </a:xfrm>
       </p:grpSpPr>
-      <p:sp>
+      <p:sp useBgFill="1">
         <p:nvSpPr>
-          <p:cNvPr id="18" name="Rectangle 17">
+          <p:cNvPr id="81" name="Rectangle 41">
             <a:extLst>
               <a:ext uri="{FF2B5EF4-FFF2-40B4-BE49-F238E27FC236}">
-                <a16:creationId xmlns:a16="http://schemas.microsoft.com/office/drawing/2014/main" id="{D4906370-1564-49FA-A802-58546B3922DC}"/>
+                <a16:creationId xmlns:a16="http://schemas.microsoft.com/office/drawing/2014/main" id="{A1D7EC86-7CB9-431D-8AC3-8AAF0440B162}"/>
               </a:ext>
               <a:ext uri="{C183D7F6-B498-43B3-948B-1728B52AA6E4}">
                 <adec:decorative xmlns:adec="http://schemas.microsoft.com/office/drawing/2017/decorative" val="1"/>
@@ -8994,15 +8999,12 @@
         </p:nvSpPr>
         <p:spPr>
           <a:xfrm>
-            <a:off x="1" y="0"/>
-            <a:ext cx="12191999" cy="6866467"/>
+            <a:off x="0" y="0"/>
+            <a:ext cx="12192000" cy="6858000"/>
           </a:xfrm>
           <a:prstGeom prst="rect">
             <a:avLst/>
           </a:prstGeom>
-          <a:solidFill>
-            <a:schemeClr val="tx1"/>
-          </a:solidFill>
           <a:ln>
             <a:noFill/>
           </a:ln>
@@ -9061,43 +9063,12 @@
           </a:p>
         </p:txBody>
       </p:sp>
-      <p:pic>
-        <p:nvPicPr>
-          <p:cNvPr id="4" name="Picture 3" descr="Top view of 3D hexagons">
+      <p:sp useBgFill="1">
+        <p:nvSpPr>
+          <p:cNvPr id="82" name="Rectangle 43">
             <a:extLst>
               <a:ext uri="{FF2B5EF4-FFF2-40B4-BE49-F238E27FC236}">
-                <a16:creationId xmlns:a16="http://schemas.microsoft.com/office/drawing/2014/main" id="{A43ED3BD-6EB1-477B-9D80-BB3F5C908C42}"/>
-              </a:ext>
-            </a:extLst>
-          </p:cNvPr>
-          <p:cNvPicPr>
-            <a:picLocks noChangeAspect="1"/>
-          </p:cNvPicPr>
-          <p:nvPr/>
-        </p:nvPicPr>
-        <p:blipFill rotWithShape="1">
-          <a:blip r:embed="rId2">
-            <a:alphaModFix amt="55000"/>
-          </a:blip>
-          <a:srcRect b="14773"/>
-          <a:stretch/>
-        </p:blipFill>
-        <p:spPr>
-          <a:xfrm>
-            <a:off x="20" y="10"/>
-            <a:ext cx="12191980" cy="6857990"/>
-          </a:xfrm>
-          <a:prstGeom prst="rect">
-            <a:avLst/>
-          </a:prstGeom>
-        </p:spPr>
-      </p:pic>
-      <p:sp>
-        <p:nvSpPr>
-          <p:cNvPr id="20" name="Oval 19">
-            <a:extLst>
-              <a:ext uri="{FF2B5EF4-FFF2-40B4-BE49-F238E27FC236}">
-                <a16:creationId xmlns:a16="http://schemas.microsoft.com/office/drawing/2014/main" id="{EF640709-BDFD-453B-B75D-6212E7A870BA}"/>
+                <a16:creationId xmlns:a16="http://schemas.microsoft.com/office/drawing/2014/main" id="{D4B9777F-B610-419B-9193-80306388F3E2}"/>
               </a:ext>
               <a:ext uri="{C183D7F6-B498-43B3-948B-1728B52AA6E4}">
                 <adec:decorative xmlns:adec="http://schemas.microsoft.com/office/drawing/2017/decorative" val="1"/>
@@ -9117,16 +9088,454 @@
         </p:nvSpPr>
         <p:spPr>
           <a:xfrm>
-            <a:off x="3111500" y="370600"/>
-            <a:ext cx="5923842" cy="5923842"/>
+            <a:off x="0" y="0"/>
+            <a:ext cx="12192000" cy="6858000"/>
+          </a:xfrm>
+          <a:prstGeom prst="rect">
+            <a:avLst/>
+          </a:prstGeom>
+          <a:ln>
+            <a:noFill/>
+          </a:ln>
+        </p:spPr>
+        <p:style>
+          <a:lnRef idx="2">
+            <a:schemeClr val="accent1">
+              <a:shade val="50000"/>
+            </a:schemeClr>
+          </a:lnRef>
+          <a:fillRef idx="1">
+            <a:schemeClr val="accent1"/>
+          </a:fillRef>
+          <a:effectRef idx="0">
+            <a:schemeClr val="accent1"/>
+          </a:effectRef>
+          <a:fontRef idx="minor">
+            <a:schemeClr val="lt1"/>
+          </a:fontRef>
+        </p:style>
+        <p:txBody>
+          <a:bodyPr rtlCol="0" anchor="ctr"/>
+          <a:lstStyle/>
+          <a:p>
+            <a:pPr marL="0" marR="0" lvl="0" indent="0" algn="ctr" defTabSz="914400" rtl="0" eaLnBrk="1" fontAlgn="auto" latinLnBrk="0" hangingPunct="1">
+              <a:lnSpc>
+                <a:spcPct val="100000"/>
+              </a:lnSpc>
+              <a:spcBef>
+                <a:spcPts val="0"/>
+              </a:spcBef>
+              <a:spcAft>
+                <a:spcPts val="0"/>
+              </a:spcAft>
+              <a:buClrTx/>
+              <a:buSzTx/>
+              <a:buFontTx/>
+              <a:buNone/>
+              <a:tabLst/>
+              <a:defRPr/>
+            </a:pPr>
+            <a:endParaRPr kumimoji="0" lang="en-US" sz="1800" b="0" i="0" u="none" strike="noStrike" kern="1200" cap="none" spc="0" normalizeH="0" baseline="0" noProof="0" dirty="0">
+              <a:ln>
+                <a:noFill/>
+              </a:ln>
+              <a:solidFill>
+                <a:prstClr val="white"/>
+              </a:solidFill>
+              <a:effectLst/>
+              <a:uLnTx/>
+              <a:uFillTx/>
+              <a:latin typeface="Calibri" panose="020F0502020204030204"/>
+              <a:ea typeface="+mn-ea"/>
+              <a:cs typeface="+mn-cs"/>
+            </a:endParaRPr>
+          </a:p>
+        </p:txBody>
+      </p:sp>
+      <p:sp>
+        <p:nvSpPr>
+          <p:cNvPr id="83" name="!!Arc">
+            <a:extLst>
+              <a:ext uri="{FF2B5EF4-FFF2-40B4-BE49-F238E27FC236}">
+                <a16:creationId xmlns:a16="http://schemas.microsoft.com/office/drawing/2014/main" id="{311F016A-A753-449B-9EA6-322199B7119E}"/>
+              </a:ext>
+              <a:ext uri="{C183D7F6-B498-43B3-948B-1728B52AA6E4}">
+                <adec:decorative xmlns:adec="http://schemas.microsoft.com/office/drawing/2017/decorative" val="1"/>
+              </a:ext>
+            </a:extLst>
+          </p:cNvPr>
+          <p:cNvSpPr>
+            <a:spLocks noGrp="1" noRot="1" noChangeAspect="1" noMove="1" noResize="1" noEditPoints="1" noAdjustHandles="1" noChangeArrowheads="1" noChangeShapeType="1" noTextEdit="1"/>
+          </p:cNvSpPr>
+          <p:nvPr>
+            <p:extLst>
+              <p:ext uri="{386F3935-93C4-4BCD-93E2-E3B085C9AB24}">
+                <p16:designElem xmlns:p16="http://schemas.microsoft.com/office/powerpoint/2015/main" val="1"/>
+              </p:ext>
+            </p:extLst>
+          </p:nvPr>
+        </p:nvSpPr>
+        <p:spPr>
+          <a:xfrm rot="21427715">
+            <a:off x="1108520" y="775849"/>
+            <a:ext cx="2987899" cy="2987899"/>
+          </a:xfrm>
+          <a:prstGeom prst="arc">
+            <a:avLst>
+              <a:gd name="adj1" fmla="val 16200000"/>
+              <a:gd name="adj2" fmla="val 2287352"/>
+            </a:avLst>
+          </a:prstGeom>
+          <a:ln w="127000" cap="rnd">
+            <a:solidFill>
+              <a:schemeClr val="accent4"/>
+            </a:solidFill>
+            <a:prstDash val="dash"/>
+            <a:miter lim="800000"/>
+          </a:ln>
+        </p:spPr>
+        <p:style>
+          <a:lnRef idx="1">
+            <a:schemeClr val="accent1"/>
+          </a:lnRef>
+          <a:fillRef idx="0">
+            <a:schemeClr val="accent1"/>
+          </a:fillRef>
+          <a:effectRef idx="0">
+            <a:schemeClr val="accent1"/>
+          </a:effectRef>
+          <a:fontRef idx="minor">
+            <a:schemeClr val="tx1"/>
+          </a:fontRef>
+        </p:style>
+        <p:txBody>
+          <a:bodyPr rtlCol="0" anchor="ctr"/>
+          <a:lstStyle/>
+          <a:p>
+            <a:pPr marL="0" marR="0" lvl="0" indent="0" algn="ctr" defTabSz="914400" rtl="0" eaLnBrk="1" fontAlgn="auto" latinLnBrk="0" hangingPunct="1">
+              <a:lnSpc>
+                <a:spcPct val="100000"/>
+              </a:lnSpc>
+              <a:spcBef>
+                <a:spcPts val="0"/>
+              </a:spcBef>
+              <a:spcAft>
+                <a:spcPts val="0"/>
+              </a:spcAft>
+              <a:buClrTx/>
+              <a:buSzTx/>
+              <a:buFontTx/>
+              <a:buNone/>
+              <a:tabLst/>
+              <a:defRPr/>
+            </a:pPr>
+            <a:endParaRPr kumimoji="0" lang="en-US" sz="1800" b="0" i="0" u="none" strike="noStrike" kern="1200" cap="none" spc="0" normalizeH="0" baseline="0" noProof="0">
+              <a:ln>
+                <a:noFill/>
+              </a:ln>
+              <a:solidFill>
+                <a:srgbClr val="000000"/>
+              </a:solidFill>
+              <a:effectLst/>
+              <a:uLnTx/>
+              <a:uFillTx/>
+              <a:latin typeface="Calibri" panose="020F0502020204030204"/>
+              <a:ea typeface="+mn-ea"/>
+              <a:cs typeface="+mn-cs"/>
+            </a:endParaRPr>
+          </a:p>
+        </p:txBody>
+      </p:sp>
+      <p:sp>
+        <p:nvSpPr>
+          <p:cNvPr id="2" name="Title 1">
+            <a:extLst>
+              <a:ext uri="{FF2B5EF4-FFF2-40B4-BE49-F238E27FC236}">
+                <a16:creationId xmlns:a16="http://schemas.microsoft.com/office/drawing/2014/main" id="{F1A696B1-D945-4EC7-90FB-EF3BCDE22F62}"/>
+              </a:ext>
+            </a:extLst>
+          </p:cNvPr>
+          <p:cNvSpPr>
+            <a:spLocks noGrp="1"/>
+          </p:cNvSpPr>
+          <p:nvPr>
+            <p:ph type="ctrTitle"/>
+          </p:nvPr>
+        </p:nvSpPr>
+        <p:spPr>
+          <a:xfrm>
+            <a:off x="860742" y="1124988"/>
+            <a:ext cx="4425962" cy="2387600"/>
+          </a:xfrm>
+        </p:spPr>
+        <p:txBody>
+          <a:bodyPr>
+            <a:normAutofit/>
+          </a:bodyPr>
+          <a:lstStyle/>
+          <a:p>
+            <a:pPr algn="l"/>
+            <a:r>
+              <a:rPr lang="en-US"/>
+              <a:t>Team 3</a:t>
+            </a:r>
+            <a:endParaRPr lang="en-US" dirty="0"/>
+          </a:p>
+        </p:txBody>
+      </p:sp>
+      <p:sp>
+        <p:nvSpPr>
+          <p:cNvPr id="3" name="Subtitle 2">
+            <a:extLst>
+              <a:ext uri="{FF2B5EF4-FFF2-40B4-BE49-F238E27FC236}">
+                <a16:creationId xmlns:a16="http://schemas.microsoft.com/office/drawing/2014/main" id="{FE0FDC98-581C-4CF5-A7B8-CC0258F68E3C}"/>
+              </a:ext>
+            </a:extLst>
+          </p:cNvPr>
+          <p:cNvSpPr>
+            <a:spLocks noGrp="1"/>
+          </p:cNvSpPr>
+          <p:nvPr>
+            <p:ph type="subTitle" idx="1"/>
+          </p:nvPr>
+        </p:nvSpPr>
+        <p:spPr>
+          <a:xfrm>
+            <a:off x="860742" y="3633691"/>
+            <a:ext cx="4425962" cy="1655762"/>
+          </a:xfrm>
+        </p:spPr>
+        <p:txBody>
+          <a:bodyPr>
+            <a:normAutofit/>
+          </a:bodyPr>
+          <a:lstStyle/>
+          <a:p>
+            <a:pPr algn="l"/>
+            <a:r>
+              <a:rPr lang="en-US" sz="1500"/>
+              <a:t>Caleb Charpentier</a:t>
+            </a:r>
+          </a:p>
+          <a:p>
+            <a:pPr algn="l"/>
+            <a:r>
+              <a:rPr lang="en-US" sz="1500"/>
+              <a:t>Pradip Hamal</a:t>
+            </a:r>
+          </a:p>
+          <a:p>
+            <a:pPr algn="l"/>
+            <a:r>
+              <a:rPr lang="en-US" sz="1500"/>
+              <a:t>Jonathon Barber</a:t>
+            </a:r>
+          </a:p>
+          <a:p>
+            <a:pPr algn="l"/>
+            <a:r>
+              <a:rPr lang="en-US" sz="1500"/>
+              <a:t>Linnell Matthews</a:t>
+            </a:r>
+          </a:p>
+          <a:p>
+            <a:pPr algn="l"/>
+            <a:r>
+              <a:rPr lang="en-US" sz="1500"/>
+              <a:t>Zach Barthel</a:t>
+            </a:r>
+          </a:p>
+        </p:txBody>
+      </p:sp>
+      <p:pic>
+        <p:nvPicPr>
+          <p:cNvPr id="4" name="Picture 3" descr="Top view of 3D hexagons">
+            <a:extLst>
+              <a:ext uri="{FF2B5EF4-FFF2-40B4-BE49-F238E27FC236}">
+                <a16:creationId xmlns:a16="http://schemas.microsoft.com/office/drawing/2014/main" id="{A43ED3BD-6EB1-477B-9D80-BB3F5C908C42}"/>
+              </a:ext>
+            </a:extLst>
+          </p:cNvPr>
+          <p:cNvPicPr>
+            <a:picLocks noChangeAspect="1"/>
+          </p:cNvPicPr>
+          <p:nvPr/>
+        </p:nvPicPr>
+        <p:blipFill rotWithShape="1">
+          <a:blip r:embed="rId2"/>
+          <a:srcRect l="16664" r="21182" b="-1"/>
+          <a:stretch/>
+        </p:blipFill>
+        <p:spPr>
+          <a:xfrm>
+            <a:off x="5733768" y="-1"/>
+            <a:ext cx="6458232" cy="6858001"/>
+          </a:xfrm>
+          <a:custGeom>
+            <a:avLst/>
+            <a:gdLst/>
+            <a:ahLst/>
+            <a:cxnLst/>
+            <a:rect l="l" t="t" r="r" b="b"/>
+            <a:pathLst>
+              <a:path w="6458232" h="6858001">
+                <a:moveTo>
+                  <a:pt x="2209000" y="0"/>
+                </a:moveTo>
+                <a:lnTo>
+                  <a:pt x="6458232" y="0"/>
+                </a:lnTo>
+                <a:lnTo>
+                  <a:pt x="6458232" y="6858001"/>
+                </a:lnTo>
+                <a:lnTo>
+                  <a:pt x="651045" y="6858001"/>
+                </a:lnTo>
+                <a:lnTo>
+                  <a:pt x="635146" y="6830200"/>
+                </a:lnTo>
+                <a:cubicBezTo>
+                  <a:pt x="230085" y="6080469"/>
+                  <a:pt x="0" y="5221296"/>
+                  <a:pt x="0" y="4308089"/>
+                </a:cubicBezTo>
+                <a:cubicBezTo>
+                  <a:pt x="0" y="2572997"/>
+                  <a:pt x="830606" y="1032965"/>
+                  <a:pt x="2113832" y="68046"/>
+                </a:cubicBezTo>
+                <a:close/>
+              </a:path>
+            </a:pathLst>
+          </a:custGeom>
+        </p:spPr>
+      </p:pic>
+      <p:sp>
+        <p:nvSpPr>
+          <p:cNvPr id="48" name="!!Rectangle">
+            <a:extLst>
+              <a:ext uri="{FF2B5EF4-FFF2-40B4-BE49-F238E27FC236}">
+                <a16:creationId xmlns:a16="http://schemas.microsoft.com/office/drawing/2014/main" id="{95106A28-883A-4993-BF9E-C403B81A8D66}"/>
+              </a:ext>
+              <a:ext uri="{C183D7F6-B498-43B3-948B-1728B52AA6E4}">
+                <adec:decorative xmlns:adec="http://schemas.microsoft.com/office/drawing/2017/decorative" val="1"/>
+              </a:ext>
+            </a:extLst>
+          </p:cNvPr>
+          <p:cNvSpPr>
+            <a:spLocks noGrp="1" noRot="1" noChangeAspect="1" noMove="1" noResize="1" noEditPoints="1" noAdjustHandles="1" noChangeArrowheads="1" noChangeShapeType="1" noTextEdit="1"/>
+          </p:cNvSpPr>
+          <p:nvPr>
+            <p:extLst>
+              <p:ext uri="{386F3935-93C4-4BCD-93E2-E3B085C9AB24}">
+                <p16:designElem xmlns:p16="http://schemas.microsoft.com/office/powerpoint/2015/main" val="1"/>
+              </p:ext>
+            </p:extLst>
+          </p:nvPr>
+        </p:nvSpPr>
+        <p:spPr>
+          <a:xfrm>
+            <a:off x="5394269" y="4274457"/>
+            <a:ext cx="825256" cy="825256"/>
+          </a:xfrm>
+          <a:prstGeom prst="rect">
+            <a:avLst/>
+          </a:prstGeom>
+          <a:noFill/>
+          <a:ln w="127000">
+            <a:solidFill>
+              <a:schemeClr val="accent6"/>
+            </a:solidFill>
+            <a:round/>
+          </a:ln>
+        </p:spPr>
+        <p:style>
+          <a:lnRef idx="2">
+            <a:schemeClr val="accent1">
+              <a:shade val="50000"/>
+            </a:schemeClr>
+          </a:lnRef>
+          <a:fillRef idx="1">
+            <a:schemeClr val="accent1"/>
+          </a:fillRef>
+          <a:effectRef idx="0">
+            <a:schemeClr val="accent1"/>
+          </a:effectRef>
+          <a:fontRef idx="minor">
+            <a:schemeClr val="lt1"/>
+          </a:fontRef>
+        </p:style>
+        <p:txBody>
+          <a:bodyPr rtlCol="0" anchor="ctr"/>
+          <a:lstStyle/>
+          <a:p>
+            <a:pPr marL="0" marR="0" lvl="0" indent="0" algn="ctr" defTabSz="914400" rtl="0" eaLnBrk="1" fontAlgn="auto" latinLnBrk="0" hangingPunct="1">
+              <a:lnSpc>
+                <a:spcPct val="100000"/>
+              </a:lnSpc>
+              <a:spcBef>
+                <a:spcPts val="0"/>
+              </a:spcBef>
+              <a:spcAft>
+                <a:spcPts val="0"/>
+              </a:spcAft>
+              <a:buClrTx/>
+              <a:buSzTx/>
+              <a:buFontTx/>
+              <a:buNone/>
+              <a:tabLst/>
+              <a:defRPr/>
+            </a:pPr>
+            <a:endParaRPr kumimoji="0" lang="en-US" sz="1800" b="0" i="0" u="none" strike="noStrike" kern="1200" cap="none" spc="0" normalizeH="0" baseline="0" noProof="0">
+              <a:ln>
+                <a:noFill/>
+              </a:ln>
+              <a:solidFill>
+                <a:srgbClr val="FFFFFF"/>
+              </a:solidFill>
+              <a:effectLst/>
+              <a:uLnTx/>
+              <a:uFillTx/>
+              <a:latin typeface="Calibri" panose="020F0502020204030204"/>
+              <a:ea typeface="+mn-ea"/>
+              <a:cs typeface="+mn-cs"/>
+            </a:endParaRPr>
+          </a:p>
+        </p:txBody>
+      </p:sp>
+      <p:sp>
+        <p:nvSpPr>
+          <p:cNvPr id="50" name="!!Oval">
+            <a:extLst>
+              <a:ext uri="{FF2B5EF4-FFF2-40B4-BE49-F238E27FC236}">
+                <a16:creationId xmlns:a16="http://schemas.microsoft.com/office/drawing/2014/main" id="{F5AE4E4F-9F4C-43ED-8299-9BD63B74E8F0}"/>
+              </a:ext>
+              <a:ext uri="{C183D7F6-B498-43B3-948B-1728B52AA6E4}">
+                <adec:decorative xmlns:adec="http://schemas.microsoft.com/office/drawing/2017/decorative" val="1"/>
+              </a:ext>
+            </a:extLst>
+          </p:cNvPr>
+          <p:cNvSpPr>
+            <a:spLocks noGrp="1" noRot="1" noChangeAspect="1" noMove="1" noResize="1" noEditPoints="1" noAdjustHandles="1" noChangeArrowheads="1" noChangeShapeType="1" noTextEdit="1"/>
+          </p:cNvSpPr>
+          <p:nvPr>
+            <p:extLst>
+              <p:ext uri="{386F3935-93C4-4BCD-93E2-E3B085C9AB24}">
+                <p16:designElem xmlns:p16="http://schemas.microsoft.com/office/powerpoint/2015/main" val="1"/>
+              </p:ext>
+            </p:extLst>
+          </p:nvPr>
+        </p:nvSpPr>
+        <p:spPr>
+          <a:xfrm>
+            <a:off x="860742" y="5649686"/>
+            <a:ext cx="546100" cy="546100"/>
           </a:xfrm>
           <a:prstGeom prst="ellipse">
             <a:avLst/>
           </a:prstGeom>
           <a:solidFill>
-            <a:schemeClr val="bg1">
-              <a:alpha val="95000"/>
-            </a:schemeClr>
+            <a:schemeClr val="accent5"/>
           </a:solidFill>
           <a:ln>
             <a:noFill/>
@@ -9169,269 +9578,12 @@
               <a:tabLst/>
               <a:defRPr/>
             </a:pPr>
-            <a:endParaRPr kumimoji="0" lang="en-US" sz="1800" b="0" i="0" u="none" strike="noStrike" kern="1200" cap="none" spc="0" normalizeH="0" baseline="0" noProof="0">
-              <a:ln>
-                <a:noFill/>
-              </a:ln>
-              <a:solidFill>
-                <a:prstClr val="white"/>
-              </a:solidFill>
-              <a:effectLst/>
-              <a:uLnTx/>
-              <a:uFillTx/>
-              <a:latin typeface="Calibri" panose="020F0502020204030204"/>
-              <a:ea typeface="+mn-ea"/>
-              <a:cs typeface="+mn-cs"/>
-            </a:endParaRPr>
-          </a:p>
-        </p:txBody>
-      </p:sp>
-      <p:sp>
-        <p:nvSpPr>
-          <p:cNvPr id="2" name="Title 1">
-            <a:extLst>
-              <a:ext uri="{FF2B5EF4-FFF2-40B4-BE49-F238E27FC236}">
-                <a16:creationId xmlns:a16="http://schemas.microsoft.com/office/drawing/2014/main" id="{F1A696B1-D945-4EC7-90FB-EF3BCDE22F62}"/>
-              </a:ext>
-            </a:extLst>
-          </p:cNvPr>
-          <p:cNvSpPr>
-            <a:spLocks noGrp="1"/>
-          </p:cNvSpPr>
-          <p:nvPr>
-            <p:ph type="ctrTitle"/>
-          </p:nvPr>
-        </p:nvSpPr>
-        <p:spPr>
-          <a:xfrm>
-            <a:off x="3577192" y="1032483"/>
-            <a:ext cx="5037616" cy="2982360"/>
-          </a:xfrm>
-        </p:spPr>
-        <p:txBody>
-          <a:bodyPr>
-            <a:normAutofit/>
-          </a:bodyPr>
-          <a:lstStyle/>
-          <a:p>
-            <a:r>
-              <a:rPr lang="en-US" dirty="0"/>
-              <a:t>Team 3</a:t>
-            </a:r>
-          </a:p>
-        </p:txBody>
-      </p:sp>
-      <p:sp>
-        <p:nvSpPr>
-          <p:cNvPr id="3" name="Subtitle 2">
-            <a:extLst>
-              <a:ext uri="{FF2B5EF4-FFF2-40B4-BE49-F238E27FC236}">
-                <a16:creationId xmlns:a16="http://schemas.microsoft.com/office/drawing/2014/main" id="{FE0FDC98-581C-4CF5-A7B8-CC0258F68E3C}"/>
-              </a:ext>
-            </a:extLst>
-          </p:cNvPr>
-          <p:cNvSpPr>
-            <a:spLocks noGrp="1"/>
-          </p:cNvSpPr>
-          <p:nvPr>
-            <p:ph type="subTitle" idx="1"/>
-          </p:nvPr>
-        </p:nvSpPr>
-        <p:spPr>
-          <a:xfrm>
-            <a:off x="3577192" y="4106918"/>
-            <a:ext cx="5037616" cy="1655762"/>
-          </a:xfrm>
-        </p:spPr>
-        <p:txBody>
-          <a:bodyPr>
-            <a:normAutofit/>
-          </a:bodyPr>
-          <a:lstStyle/>
-          <a:p>
-            <a:r>
-              <a:rPr lang="en-US" dirty="0"/>
-              <a:t>Caleb Charpentier, Pradip Hamal, Jonathon Barber, Linnell Matthews</a:t>
-            </a:r>
-          </a:p>
-        </p:txBody>
-      </p:sp>
-      <p:sp>
-        <p:nvSpPr>
-          <p:cNvPr id="22" name="Arc 21">
-            <a:extLst>
-              <a:ext uri="{FF2B5EF4-FFF2-40B4-BE49-F238E27FC236}">
-                <a16:creationId xmlns:a16="http://schemas.microsoft.com/office/drawing/2014/main" id="{B4019478-3FDC-438C-8848-1D7DA864AFC4}"/>
-              </a:ext>
-              <a:ext uri="{C183D7F6-B498-43B3-948B-1728B52AA6E4}">
-                <adec:decorative xmlns:adec="http://schemas.microsoft.com/office/drawing/2017/decorative" val="1"/>
-              </a:ext>
-            </a:extLst>
-          </p:cNvPr>
-          <p:cNvSpPr>
-            <a:spLocks noGrp="1" noRot="1" noChangeAspect="1" noMove="1" noResize="1" noEditPoints="1" noAdjustHandles="1" noChangeArrowheads="1" noChangeShapeType="1" noTextEdit="1"/>
-          </p:cNvSpPr>
-          <p:nvPr>
-            <p:extLst>
-              <p:ext uri="{386F3935-93C4-4BCD-93E2-E3B085C9AB24}">
-                <p16:designElem xmlns:p16="http://schemas.microsoft.com/office/powerpoint/2015/main" val="1"/>
-              </p:ext>
-            </p:extLst>
-          </p:nvPr>
-        </p:nvSpPr>
-        <p:spPr>
-          <a:xfrm rot="9366740" flipV="1">
-            <a:off x="2607299" y="8363"/>
-            <a:ext cx="6816262" cy="6816262"/>
-          </a:xfrm>
-          <a:prstGeom prst="arc">
-            <a:avLst>
-              <a:gd name="adj1" fmla="val 16200000"/>
-              <a:gd name="adj2" fmla="val 20401595"/>
-            </a:avLst>
-          </a:prstGeom>
-          <a:ln w="127000" cap="rnd">
-            <a:solidFill>
-              <a:schemeClr val="accent4">
-                <a:alpha val="95000"/>
-              </a:schemeClr>
-            </a:solidFill>
-            <a:prstDash val="dash"/>
-          </a:ln>
-        </p:spPr>
-        <p:style>
-          <a:lnRef idx="1">
-            <a:schemeClr val="accent1"/>
-          </a:lnRef>
-          <a:fillRef idx="0">
-            <a:schemeClr val="accent1"/>
-          </a:fillRef>
-          <a:effectRef idx="0">
-            <a:schemeClr val="accent1"/>
-          </a:effectRef>
-          <a:fontRef idx="minor">
-            <a:schemeClr val="tx1"/>
-          </a:fontRef>
-        </p:style>
-        <p:txBody>
-          <a:bodyPr rtlCol="0" anchor="ctr"/>
-          <a:lstStyle/>
-          <a:p>
-            <a:pPr marL="0" marR="0" lvl="0" indent="0" algn="ctr" defTabSz="914400" rtl="0" eaLnBrk="1" fontAlgn="auto" latinLnBrk="0" hangingPunct="1">
-              <a:lnSpc>
-                <a:spcPct val="100000"/>
-              </a:lnSpc>
-              <a:spcBef>
-                <a:spcPts val="0"/>
-              </a:spcBef>
-              <a:spcAft>
-                <a:spcPts val="0"/>
-              </a:spcAft>
-              <a:buClrTx/>
-              <a:buSzTx/>
-              <a:buFontTx/>
-              <a:buNone/>
-              <a:tabLst/>
-              <a:defRPr/>
-            </a:pPr>
             <a:endParaRPr kumimoji="0" lang="en-US" sz="1800" b="0" i="0" u="none" strike="noStrike" kern="1200" cap="none" spc="0" normalizeH="0" baseline="0" noProof="0" dirty="0">
               <a:ln>
                 <a:noFill/>
               </a:ln>
               <a:solidFill>
-                <a:prstClr val="black"/>
-              </a:solidFill>
-              <a:effectLst/>
-              <a:uLnTx/>
-              <a:uFillTx/>
-              <a:latin typeface="Calibri" panose="020F0502020204030204"/>
-              <a:ea typeface="+mn-ea"/>
-              <a:cs typeface="+mn-cs"/>
-            </a:endParaRPr>
-          </a:p>
-        </p:txBody>
-      </p:sp>
-      <p:sp>
-        <p:nvSpPr>
-          <p:cNvPr id="24" name="Oval 23">
-            <a:extLst>
-              <a:ext uri="{FF2B5EF4-FFF2-40B4-BE49-F238E27FC236}">
-                <a16:creationId xmlns:a16="http://schemas.microsoft.com/office/drawing/2014/main" id="{FE406479-1D57-4209-B128-3C81746247C6}"/>
-              </a:ext>
-              <a:ext uri="{C183D7F6-B498-43B3-948B-1728B52AA6E4}">
-                <adec:decorative xmlns:adec="http://schemas.microsoft.com/office/drawing/2017/decorative" val="1"/>
-              </a:ext>
-            </a:extLst>
-          </p:cNvPr>
-          <p:cNvSpPr>
-            <a:spLocks noGrp="1" noRot="1" noChangeAspect="1" noMove="1" noResize="1" noEditPoints="1" noAdjustHandles="1" noChangeArrowheads="1" noChangeShapeType="1" noTextEdit="1"/>
-          </p:cNvSpPr>
-          <p:nvPr>
-            <p:extLst>
-              <p:ext uri="{386F3935-93C4-4BCD-93E2-E3B085C9AB24}">
-                <p16:designElem xmlns:p16="http://schemas.microsoft.com/office/powerpoint/2015/main" val="1"/>
-              </p:ext>
-            </p:extLst>
-          </p:nvPr>
-        </p:nvSpPr>
-        <p:spPr>
-          <a:xfrm>
-            <a:off x="8153400" y="4609861"/>
-            <a:ext cx="873032" cy="849349"/>
-          </a:xfrm>
-          <a:prstGeom prst="ellipse">
-            <a:avLst/>
-          </a:prstGeom>
-          <a:solidFill>
-            <a:schemeClr val="accent2"/>
-          </a:solidFill>
-          <a:ln>
-            <a:noFill/>
-          </a:ln>
-        </p:spPr>
-        <p:style>
-          <a:lnRef idx="2">
-            <a:schemeClr val="accent1">
-              <a:shade val="50000"/>
-            </a:schemeClr>
-          </a:lnRef>
-          <a:fillRef idx="1">
-            <a:schemeClr val="accent1"/>
-          </a:fillRef>
-          <a:effectRef idx="0">
-            <a:schemeClr val="accent1"/>
-          </a:effectRef>
-          <a:fontRef idx="minor">
-            <a:schemeClr val="lt1"/>
-          </a:fontRef>
-        </p:style>
-        <p:txBody>
-          <a:bodyPr rtlCol="0" anchor="ctr"/>
-          <a:lstStyle/>
-          <a:p>
-            <a:pPr marL="0" marR="0" lvl="0" indent="0" algn="ctr" defTabSz="914400" rtl="0" eaLnBrk="1" fontAlgn="auto" latinLnBrk="0" hangingPunct="1">
-              <a:lnSpc>
-                <a:spcPct val="100000"/>
-              </a:lnSpc>
-              <a:spcBef>
-                <a:spcPts val="0"/>
-              </a:spcBef>
-              <a:spcAft>
-                <a:spcPts val="0"/>
-              </a:spcAft>
-              <a:buClrTx/>
-              <a:buSzTx/>
-              <a:buFontTx/>
-              <a:buNone/>
-              <a:tabLst/>
-              <a:defRPr/>
-            </a:pPr>
-            <a:endParaRPr kumimoji="0" lang="en-US" sz="1800" b="0" i="0" u="none" strike="noStrike" kern="1200" cap="none" spc="0" normalizeH="0" baseline="0" noProof="0">
-              <a:ln>
-                <a:noFill/>
-              </a:ln>
-              <a:solidFill>
-                <a:prstClr val="white"/>
+                <a:srgbClr val="FFFFFF"/>
               </a:solidFill>
               <a:effectLst/>
               <a:uLnTx/>
@@ -13823,7 +13975,7 @@
             <p:ph idx="1"/>
             <p:extLst>
               <p:ext uri="{D42A27DB-BD31-4B8C-83A1-F6EECF244321}">
-                <p14:modId xmlns:p14="http://schemas.microsoft.com/office/powerpoint/2010/main" val="1377376633"/>
+                <p14:modId xmlns:p14="http://schemas.microsoft.com/office/powerpoint/2010/main" val="450338538"/>
               </p:ext>
             </p:extLst>
           </p:nvPr>
